--- a/dewg_template_chords.pptx
+++ b/dewg_template_chords.pptx
@@ -4,9 +4,6 @@
   <p:sldMasterIdLst>
     <p:sldMasterId id="2147483648" r:id="rId1"/>
   </p:sldMasterIdLst>
-  <p:sldIdLst>
-    <p:sldId id="256" r:id="rId2"/>
-  </p:sldIdLst>
   <p:sldSz cx="12192000" cy="6858000"/>
   <p:notesSz cx="6858000" cy="9144000"/>
   <p:defaultTextStyle>
@@ -410,7 +407,7 @@
           <a:p>
             <a:fld id="{68ECC7E0-1A85-40B3-AD4A-E5AD0E7B5C6B}" type="datetimeFigureOut">
               <a:rPr lang="en-US" smtClean="0"/>
-              <a:t>6/20/2021</a:t>
+              <a:t>7/2/2021</a:t>
             </a:fld>
             <a:endParaRPr lang="en-US"/>
           </a:p>
@@ -651,7 +648,7 @@
           <a:p>
             <a:fld id="{68ECC7E0-1A85-40B3-AD4A-E5AD0E7B5C6B}" type="datetimeFigureOut">
               <a:rPr lang="en-US" smtClean="0"/>
-              <a:t>6/20/2021</a:t>
+              <a:t>7/2/2021</a:t>
             </a:fld>
             <a:endParaRPr lang="en-US"/>
           </a:p>
@@ -1040,111 +1037,6 @@
     </p:otherStyle>
   </p:txStyles>
 </p:sldMaster>
-</file>
-
-<file path=ppt/slides/slide1.xml><?xml version="1.0" encoding="utf-8"?>
-<p:sld xmlns:a="http://schemas.openxmlformats.org/drawingml/2006/main" xmlns:r="http://schemas.openxmlformats.org/officeDocument/2006/relationships" xmlns:p="http://schemas.openxmlformats.org/presentationml/2006/main">
-  <p:cSld>
-    <p:spTree>
-      <p:nvGrpSpPr>
-        <p:cNvPr id="1" name=""/>
-        <p:cNvGrpSpPr/>
-        <p:nvPr/>
-      </p:nvGrpSpPr>
-      <p:grpSpPr>
-        <a:xfrm>
-          <a:off x="0" y="0"/>
-          <a:ext cx="0" cy="0"/>
-          <a:chOff x="0" y="0"/>
-          <a:chExt cx="0" cy="0"/>
-        </a:xfrm>
-      </p:grpSpPr>
-      <p:sp>
-        <p:nvSpPr>
-          <p:cNvPr id="4" name="Title 3">
-            <a:extLst>
-              <a:ext uri="{FF2B5EF4-FFF2-40B4-BE49-F238E27FC236}">
-                <a16:creationId xmlns:a16="http://schemas.microsoft.com/office/drawing/2014/main" id="{769D9AE4-8962-4FC2-9984-60B39083E1B9}"/>
-              </a:ext>
-            </a:extLst>
-          </p:cNvPr>
-          <p:cNvSpPr>
-            <a:spLocks noGrp="1"/>
-          </p:cNvSpPr>
-          <p:nvPr>
-            <p:ph type="title"/>
-          </p:nvPr>
-        </p:nvSpPr>
-        <p:spPr/>
-        <p:txBody>
-          <a:bodyPr/>
-          <a:lstStyle/>
-          <a:p>
-            <a:endParaRPr lang="en-US" dirty="0"/>
-          </a:p>
-        </p:txBody>
-      </p:sp>
-      <p:sp>
-        <p:nvSpPr>
-          <p:cNvPr id="5" name="Content Placeholder 4">
-            <a:extLst>
-              <a:ext uri="{FF2B5EF4-FFF2-40B4-BE49-F238E27FC236}">
-                <a16:creationId xmlns:a16="http://schemas.microsoft.com/office/drawing/2014/main" id="{0710DF92-CDCF-4473-B977-0A4AB5D04A3B}"/>
-              </a:ext>
-            </a:extLst>
-          </p:cNvPr>
-          <p:cNvSpPr>
-            <a:spLocks noGrp="1"/>
-          </p:cNvSpPr>
-          <p:nvPr>
-            <p:ph idx="1"/>
-          </p:nvPr>
-        </p:nvSpPr>
-        <p:spPr/>
-        <p:txBody>
-          <a:bodyPr/>
-          <a:lstStyle/>
-          <a:p>
-            <a:endParaRPr lang="en-US" dirty="0"/>
-          </a:p>
-        </p:txBody>
-      </p:sp>
-      <p:sp>
-        <p:nvSpPr>
-          <p:cNvPr id="6" name="Content Placeholder 5">
-            <a:extLst>
-              <a:ext uri="{FF2B5EF4-FFF2-40B4-BE49-F238E27FC236}">
-                <a16:creationId xmlns:a16="http://schemas.microsoft.com/office/drawing/2014/main" id="{95DD9105-D143-4D7A-A37D-4CA7F4E52C21}"/>
-              </a:ext>
-            </a:extLst>
-          </p:cNvPr>
-          <p:cNvSpPr>
-            <a:spLocks noGrp="1"/>
-          </p:cNvSpPr>
-          <p:nvPr>
-            <p:ph idx="10"/>
-          </p:nvPr>
-        </p:nvSpPr>
-        <p:spPr/>
-        <p:txBody>
-          <a:bodyPr/>
-          <a:lstStyle/>
-          <a:p>
-            <a:endParaRPr lang="en-US" dirty="0"/>
-          </a:p>
-        </p:txBody>
-      </p:sp>
-    </p:spTree>
-    <p:extLst>
-      <p:ext uri="{BB962C8B-B14F-4D97-AF65-F5344CB8AC3E}">
-        <p14:creationId xmlns:p14="http://schemas.microsoft.com/office/powerpoint/2010/main" val="3442999714"/>
-      </p:ext>
-    </p:extLst>
-  </p:cSld>
-  <p:clrMapOvr>
-    <a:masterClrMapping/>
-  </p:clrMapOvr>
-</p:sld>
 </file>
 
 <file path=ppt/theme/theme1.xml><?xml version="1.0" encoding="utf-8"?>

--- a/dewg_template_chords.pptx
+++ b/dewg_template_chords.pptx
@@ -181,8 +181,8 @@
         </p:nvSpPr>
         <p:spPr>
           <a:xfrm>
-            <a:off x="437322" y="923544"/>
-            <a:ext cx="11314706" cy="5733288"/>
+            <a:off x="167054" y="923544"/>
+            <a:ext cx="11887200" cy="5733288"/>
           </a:xfrm>
         </p:spPr>
         <p:txBody>
@@ -407,7 +407,7 @@
           <a:p>
             <a:fld id="{68ECC7E0-1A85-40B3-AD4A-E5AD0E7B5C6B}" type="datetimeFigureOut">
               <a:rPr lang="en-US" smtClean="0"/>
-              <a:t>7/2/2021</a:t>
+              <a:t>4/24/2022</a:t>
             </a:fld>
             <a:endParaRPr lang="en-US"/>
           </a:p>
@@ -648,7 +648,7 @@
           <a:p>
             <a:fld id="{68ECC7E0-1A85-40B3-AD4A-E5AD0E7B5C6B}" type="datetimeFigureOut">
               <a:rPr lang="en-US" smtClean="0"/>
-              <a:t>7/2/2021</a:t>
+              <a:t>4/24/2022</a:t>
             </a:fld>
             <a:endParaRPr lang="en-US"/>
           </a:p>
